--- a/mid_poster/stsa16_template_poster.pptx
+++ b/mid_poster/stsa16_template_poster.pptx
@@ -1313,7 +1313,7 @@
           <a:p>
             <a:fld id="{41C63ABA-7AD4-414B-BAC9-9FD2A004AC76}" type="datetimeFigureOut">
               <a:rPr kumimoji="1" lang="ja-JP" altLang="en-US" smtClean="0"/>
-              <a:t>2022/10/4</a:t>
+              <a:t>2022/10/18</a:t>
             </a:fld>
             <a:endParaRPr kumimoji="1" lang="ja-JP" altLang="en-US" dirty="0"/>
           </a:p>
@@ -1513,7 +1513,7 @@
           <a:p>
             <a:fld id="{41C63ABA-7AD4-414B-BAC9-9FD2A004AC76}" type="datetimeFigureOut">
               <a:rPr kumimoji="1" lang="ja-JP" altLang="en-US" smtClean="0"/>
-              <a:t>2022/10/4</a:t>
+              <a:t>2022/10/18</a:t>
             </a:fld>
             <a:endParaRPr kumimoji="1" lang="ja-JP" altLang="en-US" dirty="0"/>
           </a:p>
@@ -1723,7 +1723,7 @@
           <a:p>
             <a:fld id="{41C63ABA-7AD4-414B-BAC9-9FD2A004AC76}" type="datetimeFigureOut">
               <a:rPr kumimoji="1" lang="ja-JP" altLang="en-US" smtClean="0"/>
-              <a:t>2022/10/4</a:t>
+              <a:t>2022/10/18</a:t>
             </a:fld>
             <a:endParaRPr kumimoji="1" lang="ja-JP" altLang="en-US" dirty="0"/>
           </a:p>
@@ -1923,7 +1923,7 @@
           <a:p>
             <a:fld id="{41C63ABA-7AD4-414B-BAC9-9FD2A004AC76}" type="datetimeFigureOut">
               <a:rPr kumimoji="1" lang="ja-JP" altLang="en-US" smtClean="0"/>
-              <a:t>2022/10/4</a:t>
+              <a:t>2022/10/18</a:t>
             </a:fld>
             <a:endParaRPr kumimoji="1" lang="ja-JP" altLang="en-US" dirty="0"/>
           </a:p>
@@ -2168,7 +2168,7 @@
           <a:p>
             <a:fld id="{41C63ABA-7AD4-414B-BAC9-9FD2A004AC76}" type="datetimeFigureOut">
               <a:rPr kumimoji="1" lang="ja-JP" altLang="en-US" smtClean="0"/>
-              <a:t>2022/10/4</a:t>
+              <a:t>2022/10/18</a:t>
             </a:fld>
             <a:endParaRPr kumimoji="1" lang="ja-JP" altLang="en-US" dirty="0"/>
           </a:p>
@@ -2517,7 +2517,7 @@
           <a:p>
             <a:fld id="{41C63ABA-7AD4-414B-BAC9-9FD2A004AC76}" type="datetimeFigureOut">
               <a:rPr kumimoji="1" lang="ja-JP" altLang="en-US" smtClean="0"/>
-              <a:t>2022/10/4</a:t>
+              <a:t>2022/10/18</a:t>
             </a:fld>
             <a:endParaRPr kumimoji="1" lang="ja-JP" altLang="en-US" dirty="0"/>
           </a:p>
@@ -3005,7 +3005,7 @@
           <a:p>
             <a:fld id="{41C63ABA-7AD4-414B-BAC9-9FD2A004AC76}" type="datetimeFigureOut">
               <a:rPr kumimoji="1" lang="ja-JP" altLang="en-US" smtClean="0"/>
-              <a:t>2022/10/4</a:t>
+              <a:t>2022/10/18</a:t>
             </a:fld>
             <a:endParaRPr kumimoji="1" lang="ja-JP" altLang="en-US" dirty="0"/>
           </a:p>
@@ -3122,7 +3122,7 @@
           <a:p>
             <a:fld id="{41C63ABA-7AD4-414B-BAC9-9FD2A004AC76}" type="datetimeFigureOut">
               <a:rPr kumimoji="1" lang="ja-JP" altLang="en-US" smtClean="0"/>
-              <a:t>2022/10/4</a:t>
+              <a:t>2022/10/18</a:t>
             </a:fld>
             <a:endParaRPr kumimoji="1" lang="ja-JP" altLang="en-US" dirty="0"/>
           </a:p>
@@ -3217,7 +3217,7 @@
           <a:p>
             <a:fld id="{41C63ABA-7AD4-414B-BAC9-9FD2A004AC76}" type="datetimeFigureOut">
               <a:rPr kumimoji="1" lang="ja-JP" altLang="en-US" smtClean="0"/>
-              <a:t>2022/10/4</a:t>
+              <a:t>2022/10/18</a:t>
             </a:fld>
             <a:endParaRPr kumimoji="1" lang="ja-JP" altLang="en-US" dirty="0"/>
           </a:p>
@@ -3524,7 +3524,7 @@
           <a:p>
             <a:fld id="{41C63ABA-7AD4-414B-BAC9-9FD2A004AC76}" type="datetimeFigureOut">
               <a:rPr kumimoji="1" lang="ja-JP" altLang="en-US" smtClean="0"/>
-              <a:t>2022/10/4</a:t>
+              <a:t>2022/10/18</a:t>
             </a:fld>
             <a:endParaRPr kumimoji="1" lang="ja-JP" altLang="en-US" dirty="0"/>
           </a:p>
@@ -3776,7 +3776,7 @@
           <a:p>
             <a:fld id="{41C63ABA-7AD4-414B-BAC9-9FD2A004AC76}" type="datetimeFigureOut">
               <a:rPr kumimoji="1" lang="ja-JP" altLang="en-US" smtClean="0"/>
-              <a:t>2022/10/4</a:t>
+              <a:t>2022/10/18</a:t>
             </a:fld>
             <a:endParaRPr kumimoji="1" lang="ja-JP" altLang="en-US" dirty="0"/>
           </a:p>
@@ -4019,7 +4019,7 @@
           <a:p>
             <a:fld id="{41C63ABA-7AD4-414B-BAC9-9FD2A004AC76}" type="datetimeFigureOut">
               <a:rPr kumimoji="1" lang="ja-JP" altLang="en-US" smtClean="0"/>
-              <a:t>2022/10/4</a:t>
+              <a:t>2022/10/18</a:t>
             </a:fld>
             <a:endParaRPr kumimoji="1" lang="ja-JP" altLang="en-US" dirty="0"/>
           </a:p>
@@ -5793,7 +5793,7 @@
         </p:nvSpPr>
         <p:spPr>
           <a:xfrm>
-            <a:off x="207167" y="4119484"/>
+            <a:off x="178569" y="4095121"/>
             <a:ext cx="4449417" cy="3289428"/>
           </a:xfrm>
           <a:prstGeom prst="rect">
